--- a/translations/en-us/RobotGame/AlignonWalls.pptx
+++ b/translations/en-us/RobotGame/AlignonWalls.pptx
@@ -2228,7 +2228,7 @@
           <a:noFill/>
           <a:extLst>
             <a:ext uri="{909E8E84-426E-40dd-AFC4-6F175D3DCCD1}">
-              <a14:hiddenFill xmlns="" xmlns:a14="http://schemas.microsoft.com/office/drawing/2010/main">
+              <a14:hiddenFill xmlns:a14="http://schemas.microsoft.com/office/drawing/2010/main" xmlns="">
                 <a:solidFill>
                   <a:srgbClr val="FFFFFF"/>
                 </a:solidFill>
@@ -29155,10 +29155,10 @@
       </p:grpSpPr>
       <p:pic>
         <p:nvPicPr>
-          <p:cNvPr id="7" name="Picture 6" descr="A picture containing map&#10;&#10;Description automatically generated">
+          <p:cNvPr id="6" name="Picture 5" descr="A picture containing drawing, graphics, child art, cartoon&#10;&#10;Description automatically generated">
             <a:extLst>
               <a:ext uri="{FF2B5EF4-FFF2-40B4-BE49-F238E27FC236}">
-                <a16:creationId xmlns:a16="http://schemas.microsoft.com/office/drawing/2014/main" id="{09852372-CB34-350C-72CA-A3975484F5BF}"/>
+                <a16:creationId xmlns:a16="http://schemas.microsoft.com/office/drawing/2014/main" id="{EE903EEA-22A4-E1CA-427E-9B0BBB2B7ECE}"/>
               </a:ext>
             </a:extLst>
           </p:cNvPr>
@@ -29181,8 +29181,8 @@
         </p:blipFill>
         <p:spPr>
           <a:xfrm>
-            <a:off x="921026" y="2656517"/>
-            <a:ext cx="7772400" cy="3761051"/>
+            <a:off x="581192" y="2517293"/>
+            <a:ext cx="7772400" cy="4053185"/>
           </a:xfrm>
           <a:prstGeom prst="rect">
             <a:avLst/>
@@ -29249,7 +29249,7 @@
             </a:pPr>
             <a:r>
               <a:rPr lang="en-US" sz="1600" dirty="0"/>
-              <a:t>After traveling from base and turning, the robot may no longer be straight</a:t>
+              <a:t>After traveling from a Launch Area and turning, the robot may no longer be straight</a:t>
             </a:r>
           </a:p>
           <a:p>
@@ -29348,7 +29348,7 @@
         </p:nvSpPr>
         <p:spPr>
           <a:xfrm>
-            <a:off x="1722931" y="6048236"/>
+            <a:off x="1327277" y="5985859"/>
             <a:ext cx="1928138" cy="369332"/>
           </a:xfrm>
           <a:prstGeom prst="rect">
@@ -29387,8 +29387,8 @@
           <p:nvPr/>
         </p:nvSpPr>
         <p:spPr>
-          <a:xfrm rot="2463824">
-            <a:off x="4618989" y="4647410"/>
+          <a:xfrm rot="2700284">
+            <a:off x="5489427" y="3526433"/>
             <a:ext cx="2516402" cy="369332"/>
           </a:xfrm>
           <a:prstGeom prst="rect">
@@ -29410,6 +29410,46 @@
                 </a:highlight>
               </a:rPr>
               <a:t>Align on the Model</a:t>
+            </a:r>
+          </a:p>
+        </p:txBody>
+      </p:sp>
+      <p:sp>
+        <p:nvSpPr>
+          <p:cNvPr id="8" name="TextBox 7">
+            <a:extLst>
+              <a:ext uri="{FF2B5EF4-FFF2-40B4-BE49-F238E27FC236}">
+                <a16:creationId xmlns:a16="http://schemas.microsoft.com/office/drawing/2014/main" id="{8C507ABE-8D5B-BEE4-D691-A5960A12E90D}"/>
+              </a:ext>
+            </a:extLst>
+          </p:cNvPr>
+          <p:cNvSpPr txBox="1"/>
+          <p:nvPr/>
+        </p:nvSpPr>
+        <p:spPr>
+          <a:xfrm>
+            <a:off x="4360656" y="5985859"/>
+            <a:ext cx="1928138" cy="369332"/>
+          </a:xfrm>
+          <a:prstGeom prst="rect">
+            <a:avLst/>
+          </a:prstGeom>
+          <a:noFill/>
+        </p:spPr>
+        <p:txBody>
+          <a:bodyPr wrap="square" rtlCol="0">
+            <a:spAutoFit/>
+          </a:bodyPr>
+          <a:lstStyle/>
+          <a:p>
+            <a:pPr algn="ctr"/>
+            <a:r>
+              <a:rPr lang="en-US" dirty="0">
+                <a:highlight>
+                  <a:srgbClr val="FFFF00"/>
+                </a:highlight>
+              </a:rPr>
+              <a:t>Align on the Wall</a:t>
             </a:r>
           </a:p>
         </p:txBody>
@@ -29705,7 +29745,7 @@
           <a:p>
             <a:r>
               <a:rPr lang="en-US" dirty="0"/>
-              <a:t>How to program </a:t>
+              <a:t>How to program IN EV3 </a:t>
             </a:r>
           </a:p>
         </p:txBody>
@@ -30138,7 +30178,7 @@
           <a:effectLst/>
           <a:extLst>
             <a:ext uri="{91240B29-F687-4f45-9708-019B960494DF}">
-              <a14:hiddenLine xmlns:a14="http://schemas.microsoft.com/office/drawing/2010/main" xmlns="" w="9525">
+              <a14:hiddenLine xmlns="" xmlns:a14="http://schemas.microsoft.com/office/drawing/2010/main" w="9525">
                 <a:solidFill>
                   <a:schemeClr val="tx1"/>
                 </a:solidFill>
@@ -30148,7 +30188,7 @@
               </a14:hiddenLine>
             </a:ext>
             <a:ext uri="{AF507438-7753-43e0-B8FC-AC1667EBCBE1}">
-              <a14:hiddenEffects xmlns:a14="http://schemas.microsoft.com/office/drawing/2010/main" xmlns="">
+              <a14:hiddenEffects xmlns="" xmlns:a14="http://schemas.microsoft.com/office/drawing/2010/main">
                 <a:effectLst>
                   <a:outerShdw dist="35921" dir="2700000" algn="ctr" rotWithShape="0">
                     <a:schemeClr val="bg2"/>
@@ -30489,7 +30529,7 @@
           <a:noFill/>
           <a:extLst>
             <a:ext uri="{909E8E84-426E-40dd-AFC4-6F175D3DCCD1}">
-              <a14:hiddenFill xmlns:a14="http://schemas.microsoft.com/office/drawing/2010/main" xmlns="">
+              <a14:hiddenFill xmlns="" xmlns:a14="http://schemas.microsoft.com/office/drawing/2010/main">
                 <a:solidFill>
                   <a:srgbClr val="FFFFFF"/>
                 </a:solidFill>
